--- a/Aula 06 - Estudo de Estados no React - Parte 3 - Exercícios.pptx
+++ b/Aula 06 - Estudo de Estados no React - Parte 3 - Exercícios.pptx
@@ -221,7 +221,7 @@
           <a:p>
             <a:fld id="{04173D99-D067-41B2-AE6C-277A67A29C02}" type="datetimeFigureOut">
               <a:rPr lang="pt-BR" smtClean="0"/>
-              <a:t>09/09/2025</a:t>
+              <a:t>07/10/2025</a:t>
             </a:fld>
             <a:endParaRPr lang="pt-BR"/>
           </a:p>
@@ -387,7 +387,7 @@
           <a:p>
             <a:fld id="{9E9AB6CA-B409-437D-9273-FF0DF7C26A26}" type="datetimeFigureOut">
               <a:rPr lang="pt-BR" smtClean="0"/>
-              <a:t>09/09/2025</a:t>
+              <a:t>07/10/2025</a:t>
             </a:fld>
             <a:endParaRPr lang="pt-BR"/>
           </a:p>
@@ -3850,8 +3850,8 @@
           <a:chExt cx="0" cy="0"/>
         </a:xfrm>
       </p:grpSpPr>
-      <mc:AlternateContent xmlns:mc="http://schemas.openxmlformats.org/markup-compatibility/2006" xmlns:a14="http://schemas.microsoft.com/office/drawing/2010/main">
-        <mc:Choice Requires="a14">
+      <mc:AlternateContent xmlns:mc="http://schemas.openxmlformats.org/markup-compatibility/2006">
+        <mc:Choice xmlns:a14="http://schemas.microsoft.com/office/drawing/2010/main" Requires="a14">
           <p:sp>
             <p:nvSpPr>
               <p:cNvPr id="2" name="Espaço Reservado para Conteúdo 1">
@@ -3874,46 +3874,46 @@
               <a:lstStyle/>
               <a:p>
                 <a:r>
-                  <a:rPr lang="pt-BR" sz="2800" dirty="0"/>
+                  <a:rPr lang="pt-BR" sz="2400" dirty="0"/>
                   <a:t>Faça uma página HTML com JS para calcular o montante de juros simples. Deverá ser solicitado ao usuário a seguinte entrada de dados através de uma caixa de texto (</a:t>
                 </a:r>
                 <a:r>
-                  <a:rPr lang="pt-BR" sz="2800" i="1" dirty="0">
+                  <a:rPr lang="pt-BR" sz="2400" i="1" dirty="0">
                     <a:latin typeface="Times New Roman" panose="02020603050405020304" pitchFamily="18" charset="0"/>
                     <a:cs typeface="Times New Roman" panose="02020603050405020304" pitchFamily="18" charset="0"/>
                   </a:rPr>
                   <a:t>input </a:t>
                 </a:r>
                 <a:r>
-                  <a:rPr lang="pt-BR" sz="2800" i="1" dirty="0" err="1">
+                  <a:rPr lang="pt-BR" sz="2400" i="1" dirty="0" err="1">
                     <a:latin typeface="Times New Roman" panose="02020603050405020304" pitchFamily="18" charset="0"/>
                     <a:cs typeface="Times New Roman" panose="02020603050405020304" pitchFamily="18" charset="0"/>
                   </a:rPr>
                   <a:t>type</a:t>
                 </a:r>
                 <a:r>
-                  <a:rPr lang="pt-BR" sz="2800" i="1" dirty="0">
+                  <a:rPr lang="pt-BR" sz="2400" i="1" dirty="0">
                     <a:latin typeface="Times New Roman" panose="02020603050405020304" pitchFamily="18" charset="0"/>
                     <a:cs typeface="Times New Roman" panose="02020603050405020304" pitchFamily="18" charset="0"/>
                   </a:rPr>
                   <a:t>=</a:t>
                 </a:r>
                 <a:r>
-                  <a:rPr lang="pt-BR" sz="2800" i="1" dirty="0" err="1">
+                  <a:rPr lang="pt-BR" sz="2400" i="1" dirty="0" err="1">
                     <a:latin typeface="Times New Roman" panose="02020603050405020304" pitchFamily="18" charset="0"/>
                     <a:cs typeface="Times New Roman" panose="02020603050405020304" pitchFamily="18" charset="0"/>
                   </a:rPr>
                   <a:t>text</a:t>
                 </a:r>
                 <a:r>
-                  <a:rPr lang="pt-BR" sz="2800" dirty="0"/>
+                  <a:rPr lang="pt-BR" sz="2400" dirty="0"/>
                   <a:t>): </a:t>
                 </a:r>
               </a:p>
               <a:p>
                 <a:pPr lvl="1"/>
                 <a:r>
-                  <a:rPr lang="pt-BR" sz="2400" dirty="0">
+                  <a:rPr lang="pt-BR" sz="2000" dirty="0">
                     <a:solidFill>
                       <a:srgbClr val="FF0000"/>
                     </a:solidFill>
@@ -3924,7 +3924,7 @@
               <a:p>
                 <a:pPr lvl="1"/>
                 <a:r>
-                  <a:rPr lang="pt-BR" sz="2400" dirty="0">
+                  <a:rPr lang="pt-BR" sz="2000" dirty="0">
                     <a:solidFill>
                       <a:srgbClr val="FF0000"/>
                     </a:solidFill>
@@ -3935,7 +3935,7 @@
               <a:p>
                 <a:pPr lvl="1"/>
                 <a:r>
-                  <a:rPr lang="pt-BR" sz="2400" dirty="0">
+                  <a:rPr lang="pt-BR" sz="2000" dirty="0">
                     <a:solidFill>
                       <a:srgbClr val="FF0000"/>
                     </a:solidFill>
@@ -3945,12 +3945,19 @@
               </a:p>
               <a:p>
                 <a:pPr lvl="1"/>
-                <a:endParaRPr lang="pt-BR" sz="2400" dirty="0"/>
+                <a:endParaRPr lang="pt-BR" sz="2000" dirty="0"/>
               </a:p>
               <a:p>
                 <a:r>
-                  <a:rPr lang="pt-BR" sz="2800" dirty="0"/>
-                  <a:t>A pagina deverá calcular e exibir o montante usando a fórmula:</a:t>
+                  <a:rPr lang="pt-BR" sz="2400" dirty="0"/>
+                  <a:t>A pagina deverá calcular e exibir o montante </a:t>
+                </a:r>
+                <a:br>
+                  <a:rPr lang="pt-BR" sz="2400" dirty="0"/>
+                </a:br>
+                <a:r>
+                  <a:rPr lang="pt-BR" sz="2400" dirty="0"/>
+                  <a:t>usando a fórmula:</a:t>
                 </a:r>
               </a:p>
               <a:p>
@@ -3958,7 +3965,7 @@
                 <a14:m>
                   <m:oMath xmlns:m="http://schemas.openxmlformats.org/officeDocument/2006/math">
                     <m:r>
-                      <a:rPr lang="pt-BR" sz="2400" b="0" i="1" smtClean="0">
+                      <a:rPr lang="pt-BR" sz="2000" b="0" i="1" smtClean="0">
                         <a:solidFill>
                           <a:srgbClr val="FF0000"/>
                         </a:solidFill>
@@ -3967,7 +3974,7 @@
                       <m:t>𝑀𝑜𝑛𝑡𝑎𝑛𝑡𝑒</m:t>
                     </m:r>
                     <m:r>
-                      <a:rPr lang="pt-BR" sz="2400" b="0" i="1" smtClean="0">
+                      <a:rPr lang="pt-BR" sz="2000" b="0" i="1" smtClean="0">
                         <a:solidFill>
                           <a:srgbClr val="FF0000"/>
                         </a:solidFill>
@@ -3976,7 +3983,7 @@
                       <m:t>=</m:t>
                     </m:r>
                     <m:r>
-                      <a:rPr lang="pt-BR" sz="2400" b="0" i="1" smtClean="0">
+                      <a:rPr lang="pt-BR" sz="2000" b="0" i="1" smtClean="0">
                         <a:solidFill>
                           <a:srgbClr val="FF0000"/>
                         </a:solidFill>
@@ -3985,7 +3992,7 @@
                       <m:t>𝑃𝑟𝑖𝑛𝑐𝑖𝑝𝑎𝑙</m:t>
                     </m:r>
                     <m:r>
-                      <a:rPr lang="pt-BR" sz="2400" b="0" i="1" smtClean="0">
+                      <a:rPr lang="pt-BR" sz="2000" b="0" i="1" smtClean="0">
                         <a:solidFill>
                           <a:srgbClr val="FF0000"/>
                         </a:solidFill>
@@ -3996,7 +4003,7 @@
                     <m:d>
                       <m:dPr>
                         <m:ctrlPr>
-                          <a:rPr lang="pt-BR" sz="2400" b="0" i="1" smtClean="0">
+                          <a:rPr lang="pt-BR" sz="2000" b="0" i="1" smtClean="0">
                             <a:solidFill>
                               <a:srgbClr val="FF0000"/>
                             </a:solidFill>
@@ -4007,7 +4014,7 @@
                       </m:dPr>
                       <m:e>
                         <m:r>
-                          <a:rPr lang="pt-BR" sz="2400" b="0" i="1" smtClean="0">
+                          <a:rPr lang="pt-BR" sz="2000" b="0" i="1" smtClean="0">
                             <a:solidFill>
                               <a:srgbClr val="FF0000"/>
                             </a:solidFill>
@@ -4019,7 +4026,7 @@
                         <m:d>
                           <m:dPr>
                             <m:ctrlPr>
-                              <a:rPr lang="pt-BR" sz="2400" b="0" i="1" smtClean="0">
+                              <a:rPr lang="pt-BR" sz="2000" b="0" i="1" smtClean="0">
                                 <a:solidFill>
                                   <a:srgbClr val="FF0000"/>
                                 </a:solidFill>
@@ -4030,7 +4037,7 @@
                           </m:dPr>
                           <m:e>
                             <m:r>
-                              <a:rPr lang="pt-BR" sz="2400" b="0" i="1" smtClean="0">
+                              <a:rPr lang="pt-BR" sz="2000" b="0" i="1" smtClean="0">
                                 <a:solidFill>
                                   <a:srgbClr val="FF0000"/>
                                 </a:solidFill>
@@ -4040,7 +4047,7 @@
                               <m:t>𝑡𝑎𝑥𝑎</m:t>
                             </m:r>
                             <m:r>
-                              <a:rPr lang="pt-BR" sz="2400" b="0" i="1" smtClean="0">
+                              <a:rPr lang="pt-BR" sz="2000" b="0" i="1" smtClean="0">
                                 <a:solidFill>
                                   <a:srgbClr val="FF0000"/>
                                 </a:solidFill>
@@ -4050,7 +4057,7 @@
                               <m:t> </m:t>
                             </m:r>
                             <m:r>
-                              <a:rPr lang="pt-BR" sz="2400" b="0" i="1" smtClean="0">
+                              <a:rPr lang="pt-BR" sz="2000" b="0" i="1" smtClean="0">
                                 <a:solidFill>
                                   <a:srgbClr val="FF0000"/>
                                 </a:solidFill>
@@ -4060,7 +4067,7 @@
                               <m:t>𝑗𝑢𝑟𝑜𝑠</m:t>
                             </m:r>
                             <m:r>
-                              <a:rPr lang="pt-BR" sz="2400" b="0" i="1" smtClean="0">
+                              <a:rPr lang="pt-BR" sz="2000" b="0" i="1" smtClean="0">
                                 <a:solidFill>
                                   <a:srgbClr val="FF0000"/>
                                 </a:solidFill>
@@ -4070,7 +4077,7 @@
                               <m:t> ×</m:t>
                             </m:r>
                             <m:r>
-                              <a:rPr lang="pt-BR" sz="2400" b="0" i="1" smtClean="0">
+                              <a:rPr lang="pt-BR" sz="2000" b="0" i="1" smtClean="0">
                                 <a:solidFill>
                                   <a:srgbClr val="FF0000"/>
                                 </a:solidFill>
@@ -4085,7 +4092,7 @@
                     </m:d>
                   </m:oMath>
                 </a14:m>
-                <a:endParaRPr lang="pt-BR" sz="2400" dirty="0">
+                <a:endParaRPr lang="pt-BR" sz="2000" dirty="0">
                   <a:solidFill>
                     <a:srgbClr val="FF0000"/>
                   </a:solidFill>
@@ -4094,14 +4101,14 @@
               <a:p>
                 <a:pPr lvl="1"/>
                 <a:r>
-                  <a:rPr lang="pt-BR" sz="2400" dirty="0"/>
+                  <a:rPr lang="pt-BR" sz="2000" dirty="0"/>
                   <a:t>A pagina deverá exibir o valor do montante</a:t>
                 </a:r>
               </a:p>
             </p:txBody>
           </p:sp>
         </mc:Choice>
-        <mc:Fallback xmlns="">
+        <mc:Fallback>
           <p:sp>
             <p:nvSpPr>
               <p:cNvPr id="2" name="Espaço Reservado para Conteúdo 1">
@@ -4122,7 +4129,7 @@
               <a:blipFill>
                 <a:blip r:embed="rId2"/>
                 <a:stretch>
-                  <a:fillRect l="-408" t="-372" r="-51"/>
+                  <a:fillRect l="-204" r="-866"/>
                 </a:stretch>
               </a:blipFill>
             </p:spPr>
@@ -4191,8 +4198,8 @@
         </p:blipFill>
         <p:spPr>
           <a:xfrm>
-            <a:off x="6613525" y="2330450"/>
-            <a:ext cx="5314950" cy="4267200"/>
+            <a:off x="7272867" y="2605451"/>
+            <a:ext cx="4782607" cy="3839799"/>
           </a:xfrm>
           <a:prstGeom prst="rect">
             <a:avLst/>
@@ -4229,8 +4236,8 @@
           <a:chExt cx="0" cy="0"/>
         </a:xfrm>
       </p:grpSpPr>
-      <mc:AlternateContent xmlns:mc="http://schemas.openxmlformats.org/markup-compatibility/2006" xmlns:a14="http://schemas.microsoft.com/office/drawing/2010/main">
-        <mc:Choice Requires="a14">
+      <mc:AlternateContent xmlns:mc="http://schemas.openxmlformats.org/markup-compatibility/2006">
+        <mc:Choice xmlns:a14="http://schemas.microsoft.com/office/drawing/2010/main" Requires="a14">
           <p:sp>
             <p:nvSpPr>
               <p:cNvPr id="2" name="Espaço Reservado para Conteúdo 1">
@@ -4321,19 +4328,42 @@
                       <a:srgbClr val="FF0000"/>
                     </a:solidFill>
                   </a:rPr>
-                  <a:t>A quantidade de horas trabalhadas por dia</a:t>
+                  <a:t>A quantidade de horas trabalhadas por</a:t>
                 </a:r>
-              </a:p>
-              <a:p>
-                <a:pPr marL="449250" lvl="1" indent="0">
-                  <a:buNone/>
-                </a:pPr>
-                <a:endParaRPr lang="pt-BR" sz="2400" dirty="0"/>
+                <a:br>
+                  <a:rPr lang="pt-BR" sz="2400" dirty="0">
+                    <a:solidFill>
+                      <a:srgbClr val="FF0000"/>
+                    </a:solidFill>
+                  </a:rPr>
+                </a:br>
+                <a:r>
+                  <a:rPr lang="pt-BR" sz="2400" dirty="0">
+                    <a:solidFill>
+                      <a:srgbClr val="FF0000"/>
+                    </a:solidFill>
+                  </a:rPr>
+                  <a:t> dia</a:t>
+                </a:r>
               </a:p>
               <a:p>
                 <a:r>
                   <a:rPr lang="pt-BR" sz="2800" dirty="0"/>
-                  <a:t>A pagina deverá calcular o valor do salário ao final do mês, lembrando que o mês possui 30 dias:</a:t>
+                  <a:t>A pagina deverá calcular o valor do </a:t>
+                </a:r>
+                <a:br>
+                  <a:rPr lang="pt-BR" sz="2800" dirty="0"/>
+                </a:br>
+                <a:r>
+                  <a:rPr lang="pt-BR" sz="2800" dirty="0"/>
+                  <a:t>salário ao final do mês, lembrando </a:t>
+                </a:r>
+                <a:br>
+                  <a:rPr lang="pt-BR" sz="2800" dirty="0"/>
+                </a:br>
+                <a:r>
+                  <a:rPr lang="pt-BR" sz="2800" dirty="0"/>
+                  <a:t>que o mês possui 30 dias:</a:t>
                 </a:r>
               </a:p>
               <a:p>
@@ -4430,7 +4460,7 @@
             </p:txBody>
           </p:sp>
         </mc:Choice>
-        <mc:Fallback xmlns="">
+        <mc:Fallback>
           <p:sp>
             <p:nvSpPr>
               <p:cNvPr id="2" name="Espaço Reservado para Conteúdo 1">
@@ -4455,7 +4485,7 @@
               <a:blipFill>
                 <a:blip r:embed="rId2"/>
                 <a:stretch>
-                  <a:fillRect l="-408" t="-372" r="-1682"/>
+                  <a:fillRect l="-408" t="-372" r="-1682" b="-2602"/>
                 </a:stretch>
               </a:blipFill>
             </p:spPr>
@@ -4524,8 +4554,8 @@
         </p:blipFill>
         <p:spPr>
           <a:xfrm>
-            <a:off x="6613525" y="2305049"/>
-            <a:ext cx="5314950" cy="4267200"/>
+            <a:off x="7162800" y="2644081"/>
+            <a:ext cx="4892674" cy="3928168"/>
           </a:xfrm>
           <a:prstGeom prst="rect">
             <a:avLst/>
@@ -6558,7 +6588,21 @@
           <a:p>
             <a:r>
               <a:rPr lang="pt-BR" sz="2800" dirty="0"/>
-              <a:t>Faça uma página HTML com JS que através de uma caixa de texto (</a:t>
+              <a:t>Faça uma página HTML com JS que </a:t>
+            </a:r>
+            <a:br>
+              <a:rPr lang="pt-BR" sz="2800" dirty="0"/>
+            </a:br>
+            <a:r>
+              <a:rPr lang="pt-BR" sz="2800" dirty="0"/>
+              <a:t>através de uma caixa de texto </a:t>
+            </a:r>
+            <a:br>
+              <a:rPr lang="pt-BR" sz="2800" dirty="0"/>
+            </a:br>
+            <a:r>
+              <a:rPr lang="pt-BR" sz="2800" dirty="0"/>
+              <a:t>(</a:t>
             </a:r>
             <a:r>
               <a:rPr lang="pt-BR" sz="2800" i="1" dirty="0">
@@ -6715,7 +6759,7 @@
         </p:blipFill>
         <p:spPr>
           <a:xfrm>
-            <a:off x="6613525" y="2330450"/>
+            <a:off x="6638925" y="1652612"/>
             <a:ext cx="5314950" cy="4267200"/>
           </a:xfrm>
           <a:prstGeom prst="rect">
@@ -7021,7 +7065,14 @@
           <a:p>
             <a:r>
               <a:rPr lang="pt-BR" sz="2800" dirty="0"/>
-              <a:t>A pagina deverá então calcular o IMC usando a fórmula:</a:t>
+              <a:t>A pagina deverá então calcular o IMC </a:t>
+            </a:r>
+            <a:br>
+              <a:rPr lang="pt-BR" sz="2800" dirty="0"/>
+            </a:br>
+            <a:r>
+              <a:rPr lang="pt-BR" sz="2800" dirty="0"/>
+              <a:t>usando a fórmula:</a:t>
             </a:r>
           </a:p>
           <a:p>
@@ -7094,8 +7145,8 @@
         </p:blipFill>
         <p:spPr>
           <a:xfrm>
-            <a:off x="6613525" y="2330450"/>
-            <a:ext cx="5314950" cy="4267200"/>
+            <a:off x="7603067" y="3124920"/>
+            <a:ext cx="4325408" cy="3472729"/>
           </a:xfrm>
           <a:prstGeom prst="rect">
             <a:avLst/>

--- a/Aula 06 - Estudo de Estados no React - Parte 3 - Exercícios.pptx
+++ b/Aula 06 - Estudo de Estados no React - Parte 3 - Exercícios.pptx
@@ -5,10 +5,10 @@
     <p:sldMasterId id="2147483670" r:id="rId1"/>
   </p:sldMasterIdLst>
   <p:notesMasterIdLst>
-    <p:notesMasterId r:id="rId13"/>
+    <p:notesMasterId r:id="rId19"/>
   </p:notesMasterIdLst>
   <p:handoutMasterIdLst>
-    <p:handoutMasterId r:id="rId14"/>
+    <p:handoutMasterId r:id="rId20"/>
   </p:handoutMasterIdLst>
   <p:sldIdLst>
     <p:sldId id="374" r:id="rId2"/>
@@ -22,6 +22,12 @@
     <p:sldId id="412" r:id="rId10"/>
     <p:sldId id="413" r:id="rId11"/>
     <p:sldId id="414" r:id="rId12"/>
+    <p:sldId id="416" r:id="rId13"/>
+    <p:sldId id="417" r:id="rId14"/>
+    <p:sldId id="418" r:id="rId15"/>
+    <p:sldId id="419" r:id="rId16"/>
+    <p:sldId id="420" r:id="rId17"/>
+    <p:sldId id="421" r:id="rId18"/>
   </p:sldIdLst>
   <p:sldSz cx="12192000" cy="6858000"/>
   <p:notesSz cx="6858000" cy="9144000"/>
@@ -123,7 +129,7 @@
   <p:extLst>
     <p:ext uri="{EFAFB233-063F-42B5-8137-9DF3F51BA10A}">
       <p15:sldGuideLst xmlns:p15="http://schemas.microsoft.com/office/powerpoint/2012/main">
-        <p15:guide id="1" orient="horz" pos="4156" userDrawn="1">
+        <p15:guide id="1" orient="horz" pos="1026" userDrawn="1">
           <p15:clr>
             <a:srgbClr val="A4A3A4"/>
           </p15:clr>
@@ -3850,8 +3856,8 @@
           <a:chExt cx="0" cy="0"/>
         </a:xfrm>
       </p:grpSpPr>
-      <mc:AlternateContent xmlns:mc="http://schemas.openxmlformats.org/markup-compatibility/2006">
-        <mc:Choice xmlns:a14="http://schemas.microsoft.com/office/drawing/2010/main" Requires="a14">
+      <mc:AlternateContent xmlns:mc="http://schemas.openxmlformats.org/markup-compatibility/2006" xmlns:a14="http://schemas.microsoft.com/office/drawing/2010/main">
+        <mc:Choice Requires="a14">
           <p:sp>
             <p:nvSpPr>
               <p:cNvPr id="2" name="Espaço Reservado para Conteúdo 1">
@@ -4108,7 +4114,7 @@
             </p:txBody>
           </p:sp>
         </mc:Choice>
-        <mc:Fallback>
+        <mc:Fallback xmlns="">
           <p:sp>
             <p:nvSpPr>
               <p:cNvPr id="2" name="Espaço Reservado para Conteúdo 1">
@@ -4236,8 +4242,8 @@
           <a:chExt cx="0" cy="0"/>
         </a:xfrm>
       </p:grpSpPr>
-      <mc:AlternateContent xmlns:mc="http://schemas.openxmlformats.org/markup-compatibility/2006">
-        <mc:Choice xmlns:a14="http://schemas.microsoft.com/office/drawing/2010/main" Requires="a14">
+      <mc:AlternateContent xmlns:mc="http://schemas.openxmlformats.org/markup-compatibility/2006" xmlns:a14="http://schemas.microsoft.com/office/drawing/2010/main">
+        <mc:Choice Requires="a14">
           <p:sp>
             <p:nvSpPr>
               <p:cNvPr id="2" name="Espaço Reservado para Conteúdo 1">
@@ -4460,7 +4466,7 @@
             </p:txBody>
           </p:sp>
         </mc:Choice>
-        <mc:Fallback>
+        <mc:Fallback xmlns="">
           <p:sp>
             <p:nvSpPr>
               <p:cNvPr id="2" name="Espaço Reservado para Conteúdo 1">
@@ -4566,6 +4572,635 @@
     <p:extLst>
       <p:ext uri="{BB962C8B-B14F-4D97-AF65-F5344CB8AC3E}">
         <p14:creationId xmlns:p14="http://schemas.microsoft.com/office/powerpoint/2010/main" val="3922319697"/>
+      </p:ext>
+    </p:extLst>
+  </p:cSld>
+  <p:clrMapOvr>
+    <a:masterClrMapping/>
+  </p:clrMapOvr>
+</p:sld>
+</file>
+
+<file path=ppt/slides/slide12.xml><?xml version="1.0" encoding="utf-8"?>
+<p:sld xmlns:a="http://schemas.openxmlformats.org/drawingml/2006/main" xmlns:r="http://schemas.openxmlformats.org/officeDocument/2006/relationships" xmlns:p="http://schemas.openxmlformats.org/presentationml/2006/main">
+  <p:cSld>
+    <p:spTree>
+      <p:nvGrpSpPr>
+        <p:cNvPr id="1" name=""/>
+        <p:cNvGrpSpPr/>
+        <p:nvPr/>
+      </p:nvGrpSpPr>
+      <p:grpSpPr>
+        <a:xfrm>
+          <a:off x="0" y="0"/>
+          <a:ext cx="0" cy="0"/>
+          <a:chOff x="0" y="0"/>
+          <a:chExt cx="0" cy="0"/>
+        </a:xfrm>
+      </p:grpSpPr>
+      <p:sp>
+        <p:nvSpPr>
+          <p:cNvPr id="2" name="Subtítulo 1">
+            <a:extLst>
+              <a:ext uri="{FF2B5EF4-FFF2-40B4-BE49-F238E27FC236}">
+                <a16:creationId xmlns:a16="http://schemas.microsoft.com/office/drawing/2014/main" id="{F0C7F766-1BE9-4DB6-8F9C-F7B5E3C18C24}"/>
+              </a:ext>
+            </a:extLst>
+          </p:cNvPr>
+          <p:cNvSpPr>
+            <a:spLocks noGrp="1"/>
+          </p:cNvSpPr>
+          <p:nvPr>
+            <p:ph type="subTitle" idx="1"/>
+          </p:nvPr>
+        </p:nvSpPr>
+        <p:spPr/>
+        <p:txBody>
+          <a:bodyPr/>
+          <a:lstStyle/>
+          <a:p>
+            <a:endParaRPr lang="pt-BR"/>
+          </a:p>
+        </p:txBody>
+      </p:sp>
+      <p:sp>
+        <p:nvSpPr>
+          <p:cNvPr id="3" name="Título 2">
+            <a:extLst>
+              <a:ext uri="{FF2B5EF4-FFF2-40B4-BE49-F238E27FC236}">
+                <a16:creationId xmlns:a16="http://schemas.microsoft.com/office/drawing/2014/main" id="{272E32D2-E13F-4898-B5FE-3DE54182B4B5}"/>
+              </a:ext>
+            </a:extLst>
+          </p:cNvPr>
+          <p:cNvSpPr>
+            <a:spLocks noGrp="1"/>
+          </p:cNvSpPr>
+          <p:nvPr>
+            <p:ph type="ctrTitle"/>
+          </p:nvPr>
+        </p:nvSpPr>
+        <p:spPr/>
+        <p:txBody>
+          <a:bodyPr/>
+          <a:lstStyle/>
+          <a:p>
+            <a:r>
+              <a:rPr lang="pt-BR" dirty="0"/>
+              <a:t>Solução do Exercício 1</a:t>
+            </a:r>
+          </a:p>
+        </p:txBody>
+      </p:sp>
+    </p:spTree>
+    <p:extLst>
+      <p:ext uri="{BB962C8B-B14F-4D97-AF65-F5344CB8AC3E}">
+        <p14:creationId xmlns:p14="http://schemas.microsoft.com/office/powerpoint/2010/main" val="1578470390"/>
+      </p:ext>
+    </p:extLst>
+  </p:cSld>
+  <p:clrMapOvr>
+    <a:masterClrMapping/>
+  </p:clrMapOvr>
+</p:sld>
+</file>
+
+<file path=ppt/slides/slide13.xml><?xml version="1.0" encoding="utf-8"?>
+<p:sld xmlns:a="http://schemas.openxmlformats.org/drawingml/2006/main" xmlns:r="http://schemas.openxmlformats.org/officeDocument/2006/relationships" xmlns:p="http://schemas.openxmlformats.org/presentationml/2006/main">
+  <p:cSld>
+    <p:spTree>
+      <p:nvGrpSpPr>
+        <p:cNvPr id="1" name=""/>
+        <p:cNvGrpSpPr/>
+        <p:nvPr/>
+      </p:nvGrpSpPr>
+      <p:grpSpPr>
+        <a:xfrm>
+          <a:off x="0" y="0"/>
+          <a:ext cx="0" cy="0"/>
+          <a:chOff x="0" y="0"/>
+          <a:chExt cx="0" cy="0"/>
+        </a:xfrm>
+      </p:grpSpPr>
+      <p:sp>
+        <p:nvSpPr>
+          <p:cNvPr id="3" name="Título 2">
+            <a:extLst>
+              <a:ext uri="{FF2B5EF4-FFF2-40B4-BE49-F238E27FC236}">
+                <a16:creationId xmlns:a16="http://schemas.microsoft.com/office/drawing/2014/main" id="{272E32D2-E13F-4898-B5FE-3DE54182B4B5}"/>
+              </a:ext>
+            </a:extLst>
+          </p:cNvPr>
+          <p:cNvSpPr>
+            <a:spLocks noGrp="1"/>
+          </p:cNvSpPr>
+          <p:nvPr>
+            <p:ph type="title"/>
+          </p:nvPr>
+        </p:nvSpPr>
+        <p:spPr/>
+        <p:txBody>
+          <a:bodyPr/>
+          <a:lstStyle/>
+          <a:p>
+            <a:pPr algn="r"/>
+            <a:r>
+              <a:rPr lang="pt-BR" dirty="0"/>
+              <a:t>Solução do Exercício 1</a:t>
+            </a:r>
+          </a:p>
+        </p:txBody>
+      </p:sp>
+      <p:pic>
+        <p:nvPicPr>
+          <p:cNvPr id="4" name="Imagem 3">
+            <a:extLst>
+              <a:ext uri="{FF2B5EF4-FFF2-40B4-BE49-F238E27FC236}">
+                <a16:creationId xmlns:a16="http://schemas.microsoft.com/office/drawing/2014/main" id="{47BA666E-D15D-4B6E-B177-8910E92846FB}"/>
+              </a:ext>
+            </a:extLst>
+          </p:cNvPr>
+          <p:cNvPicPr>
+            <a:picLocks noChangeAspect="1"/>
+          </p:cNvPicPr>
+          <p:nvPr/>
+        </p:nvPicPr>
+        <p:blipFill>
+          <a:blip r:embed="rId2"/>
+          <a:stretch>
+            <a:fillRect/>
+          </a:stretch>
+        </p:blipFill>
+        <p:spPr>
+          <a:xfrm>
+            <a:off x="246569" y="584200"/>
+            <a:ext cx="5812872" cy="5992231"/>
+          </a:xfrm>
+          <a:prstGeom prst="rect">
+            <a:avLst/>
+          </a:prstGeom>
+        </p:spPr>
+      </p:pic>
+      <p:pic>
+        <p:nvPicPr>
+          <p:cNvPr id="5" name="Imagem 4">
+            <a:extLst>
+              <a:ext uri="{FF2B5EF4-FFF2-40B4-BE49-F238E27FC236}">
+                <a16:creationId xmlns:a16="http://schemas.microsoft.com/office/drawing/2014/main" id="{5B399422-94B8-4BDF-A5BD-89CB9D0CD0BB}"/>
+              </a:ext>
+            </a:extLst>
+          </p:cNvPr>
+          <p:cNvPicPr>
+            <a:picLocks noChangeAspect="1"/>
+          </p:cNvPicPr>
+          <p:nvPr/>
+        </p:nvPicPr>
+        <p:blipFill>
+          <a:blip r:embed="rId3"/>
+          <a:stretch>
+            <a:fillRect/>
+          </a:stretch>
+        </p:blipFill>
+        <p:spPr>
+          <a:xfrm>
+            <a:off x="6051043" y="2346193"/>
+            <a:ext cx="5894388" cy="3512817"/>
+          </a:xfrm>
+          <a:prstGeom prst="rect">
+            <a:avLst/>
+          </a:prstGeom>
+        </p:spPr>
+      </p:pic>
+      <p:sp>
+        <p:nvSpPr>
+          <p:cNvPr id="6" name="Elipse 5">
+            <a:extLst>
+              <a:ext uri="{FF2B5EF4-FFF2-40B4-BE49-F238E27FC236}">
+                <a16:creationId xmlns:a16="http://schemas.microsoft.com/office/drawing/2014/main" id="{2F12B4DC-98AB-4406-BE11-8334FFDFAB1F}"/>
+              </a:ext>
+            </a:extLst>
+          </p:cNvPr>
+          <p:cNvSpPr/>
+          <p:nvPr/>
+        </p:nvSpPr>
+        <p:spPr bwMode="auto">
+          <a:xfrm>
+            <a:off x="2125133" y="2853267"/>
+            <a:ext cx="1896533" cy="465666"/>
+          </a:xfrm>
+          <a:prstGeom prst="ellipse">
+            <a:avLst/>
+          </a:prstGeom>
+          <a:noFill/>
+          <a:ln w="28575">
+            <a:solidFill>
+              <a:srgbClr val="FF0000"/>
+            </a:solidFill>
+            <a:headEnd type="none" w="med" len="med"/>
+            <a:tailEnd type="triangle" w="med" len="med"/>
+          </a:ln>
+        </p:spPr>
+        <p:style>
+          <a:lnRef idx="1">
+            <a:schemeClr val="accent3"/>
+          </a:lnRef>
+          <a:fillRef idx="2">
+            <a:schemeClr val="accent3"/>
+          </a:fillRef>
+          <a:effectRef idx="1">
+            <a:schemeClr val="accent3"/>
+          </a:effectRef>
+          <a:fontRef idx="minor">
+            <a:schemeClr val="dk1"/>
+          </a:fontRef>
+        </p:style>
+        <p:txBody>
+          <a:bodyPr vert="horz" wrap="square" lIns="90000" tIns="46800" rIns="90000" bIns="46800" numCol="1" rtlCol="0" anchor="ctr" anchorCtr="0" compatLnSpc="1">
+            <a:prstTxWarp prst="textNoShape">
+              <a:avLst/>
+            </a:prstTxWarp>
+          </a:bodyPr>
+          <a:lstStyle/>
+          <a:p>
+            <a:pPr algn="ctr"/>
+            <a:endParaRPr lang="pt-BR" dirty="0">
+              <a:solidFill>
+                <a:schemeClr val="tx1"/>
+              </a:solidFill>
+              <a:latin typeface="Arial" charset="0"/>
+            </a:endParaRPr>
+          </a:p>
+        </p:txBody>
+      </p:sp>
+      <p:cxnSp>
+        <p:nvCxnSpPr>
+          <p:cNvPr id="8" name="Conector de Seta Reta 7">
+            <a:extLst>
+              <a:ext uri="{FF2B5EF4-FFF2-40B4-BE49-F238E27FC236}">
+                <a16:creationId xmlns:a16="http://schemas.microsoft.com/office/drawing/2014/main" id="{C3AAC9F7-9060-4259-A74E-BEBAFFE55E84}"/>
+              </a:ext>
+            </a:extLst>
+          </p:cNvPr>
+          <p:cNvCxnSpPr>
+            <a:stCxn id="6" idx="6"/>
+          </p:cNvCxnSpPr>
+          <p:nvPr/>
+        </p:nvCxnSpPr>
+        <p:spPr bwMode="auto">
+          <a:xfrm>
+            <a:off x="4021666" y="3086100"/>
+            <a:ext cx="2607734" cy="884767"/>
+          </a:xfrm>
+          <a:prstGeom prst="straightConnector1">
+            <a:avLst/>
+          </a:prstGeom>
+          <a:solidFill>
+            <a:schemeClr val="accent1"/>
+          </a:solidFill>
+          <a:ln w="28575" cap="flat" cmpd="sng" algn="ctr">
+            <a:solidFill>
+              <a:srgbClr val="FF0000"/>
+            </a:solidFill>
+            <a:prstDash val="solid"/>
+            <a:round/>
+            <a:headEnd type="none" w="med" len="med"/>
+            <a:tailEnd type="triangle"/>
+          </a:ln>
+          <a:effectLst/>
+        </p:spPr>
+      </p:cxnSp>
+      <p:sp>
+        <p:nvSpPr>
+          <p:cNvPr id="9" name="Retângulo 8">
+            <a:extLst>
+              <a:ext uri="{FF2B5EF4-FFF2-40B4-BE49-F238E27FC236}">
+                <a16:creationId xmlns:a16="http://schemas.microsoft.com/office/drawing/2014/main" id="{53EEC58D-2142-40E4-A57C-F79EDC5F9876}"/>
+              </a:ext>
+            </a:extLst>
+          </p:cNvPr>
+          <p:cNvSpPr/>
+          <p:nvPr/>
+        </p:nvSpPr>
+        <p:spPr bwMode="auto">
+          <a:xfrm>
+            <a:off x="2286000" y="3539068"/>
+            <a:ext cx="3302000" cy="465666"/>
+          </a:xfrm>
+          <a:prstGeom prst="rect">
+            <a:avLst/>
+          </a:prstGeom>
+          <a:noFill/>
+          <a:ln w="28575">
+            <a:solidFill>
+              <a:srgbClr val="FF0000"/>
+            </a:solidFill>
+            <a:headEnd type="none" w="med" len="med"/>
+            <a:tailEnd type="triangle" w="med" len="med"/>
+          </a:ln>
+        </p:spPr>
+        <p:style>
+          <a:lnRef idx="1">
+            <a:schemeClr val="accent3"/>
+          </a:lnRef>
+          <a:fillRef idx="2">
+            <a:schemeClr val="accent3"/>
+          </a:fillRef>
+          <a:effectRef idx="1">
+            <a:schemeClr val="accent3"/>
+          </a:effectRef>
+          <a:fontRef idx="minor">
+            <a:schemeClr val="dk1"/>
+          </a:fontRef>
+        </p:style>
+        <p:txBody>
+          <a:bodyPr rot="0" spcFirstLastPara="0" vertOverflow="overflow" horzOverflow="overflow" vert="horz" wrap="square" lIns="90000" tIns="46800" rIns="90000" bIns="46800" numCol="1" spcCol="0" rtlCol="0" fromWordArt="0" anchor="ctr" anchorCtr="0" forceAA="0" compatLnSpc="1">
+            <a:prstTxWarp prst="textNoShape">
+              <a:avLst/>
+            </a:prstTxWarp>
+            <a:noAutofit/>
+          </a:bodyPr>
+          <a:lstStyle/>
+          <a:p>
+            <a:pPr algn="ctr"/>
+            <a:endParaRPr lang="pt-BR" dirty="0">
+              <a:solidFill>
+                <a:schemeClr val="tx1"/>
+              </a:solidFill>
+              <a:latin typeface="Arial" charset="0"/>
+            </a:endParaRPr>
+          </a:p>
+        </p:txBody>
+      </p:sp>
+      <p:cxnSp>
+        <p:nvCxnSpPr>
+          <p:cNvPr id="11" name="Conector de Seta Reta 10">
+            <a:extLst>
+              <a:ext uri="{FF2B5EF4-FFF2-40B4-BE49-F238E27FC236}">
+                <a16:creationId xmlns:a16="http://schemas.microsoft.com/office/drawing/2014/main" id="{A5E391F3-0ED0-4D16-9855-DC43D3A48C1F}"/>
+              </a:ext>
+            </a:extLst>
+          </p:cNvPr>
+          <p:cNvCxnSpPr/>
+          <p:nvPr/>
+        </p:nvCxnSpPr>
+        <p:spPr bwMode="auto">
+          <a:xfrm>
+            <a:off x="5588000" y="3835400"/>
+            <a:ext cx="1117600" cy="622302"/>
+          </a:xfrm>
+          <a:prstGeom prst="straightConnector1">
+            <a:avLst/>
+          </a:prstGeom>
+          <a:solidFill>
+            <a:schemeClr val="accent1"/>
+          </a:solidFill>
+          <a:ln w="28575" cap="flat" cmpd="sng" algn="ctr">
+            <a:solidFill>
+              <a:srgbClr val="FF0000"/>
+            </a:solidFill>
+            <a:prstDash val="solid"/>
+            <a:round/>
+            <a:headEnd type="none" w="med" len="med"/>
+            <a:tailEnd type="triangle"/>
+          </a:ln>
+          <a:effectLst/>
+        </p:spPr>
+      </p:cxnSp>
+    </p:spTree>
+    <p:extLst>
+      <p:ext uri="{BB962C8B-B14F-4D97-AF65-F5344CB8AC3E}">
+        <p14:creationId xmlns:p14="http://schemas.microsoft.com/office/powerpoint/2010/main" val="446513016"/>
+      </p:ext>
+    </p:extLst>
+  </p:cSld>
+  <p:clrMapOvr>
+    <a:masterClrMapping/>
+  </p:clrMapOvr>
+</p:sld>
+</file>
+
+<file path=ppt/slides/slide14.xml><?xml version="1.0" encoding="utf-8"?>
+<p:sld xmlns:a="http://schemas.openxmlformats.org/drawingml/2006/main" xmlns:r="http://schemas.openxmlformats.org/officeDocument/2006/relationships" xmlns:p="http://schemas.openxmlformats.org/presentationml/2006/main">
+  <p:cSld>
+    <p:spTree>
+      <p:nvGrpSpPr>
+        <p:cNvPr id="1" name=""/>
+        <p:cNvGrpSpPr/>
+        <p:nvPr/>
+      </p:nvGrpSpPr>
+      <p:grpSpPr>
+        <a:xfrm>
+          <a:off x="0" y="0"/>
+          <a:ext cx="0" cy="0"/>
+          <a:chOff x="0" y="0"/>
+          <a:chExt cx="0" cy="0"/>
+        </a:xfrm>
+      </p:grpSpPr>
+      <p:sp>
+        <p:nvSpPr>
+          <p:cNvPr id="3" name="Título 2">
+            <a:extLst>
+              <a:ext uri="{FF2B5EF4-FFF2-40B4-BE49-F238E27FC236}">
+                <a16:creationId xmlns:a16="http://schemas.microsoft.com/office/drawing/2014/main" id="{272E32D2-E13F-4898-B5FE-3DE54182B4B5}"/>
+              </a:ext>
+            </a:extLst>
+          </p:cNvPr>
+          <p:cNvSpPr>
+            <a:spLocks noGrp="1"/>
+          </p:cNvSpPr>
+          <p:nvPr>
+            <p:ph type="title"/>
+          </p:nvPr>
+        </p:nvSpPr>
+        <p:spPr/>
+        <p:txBody>
+          <a:bodyPr/>
+          <a:lstStyle/>
+          <a:p>
+            <a:r>
+              <a:rPr lang="pt-BR" dirty="0"/>
+              <a:t>Solução do Exercício 1</a:t>
+            </a:r>
+          </a:p>
+        </p:txBody>
+      </p:sp>
+    </p:spTree>
+    <p:extLst>
+      <p:ext uri="{BB962C8B-B14F-4D97-AF65-F5344CB8AC3E}">
+        <p14:creationId xmlns:p14="http://schemas.microsoft.com/office/powerpoint/2010/main" val="3430196504"/>
+      </p:ext>
+    </p:extLst>
+  </p:cSld>
+  <p:clrMapOvr>
+    <a:masterClrMapping/>
+  </p:clrMapOvr>
+</p:sld>
+</file>
+
+<file path=ppt/slides/slide15.xml><?xml version="1.0" encoding="utf-8"?>
+<p:sld xmlns:a="http://schemas.openxmlformats.org/drawingml/2006/main" xmlns:r="http://schemas.openxmlformats.org/officeDocument/2006/relationships" xmlns:p="http://schemas.openxmlformats.org/presentationml/2006/main">
+  <p:cSld>
+    <p:spTree>
+      <p:nvGrpSpPr>
+        <p:cNvPr id="1" name=""/>
+        <p:cNvGrpSpPr/>
+        <p:nvPr/>
+      </p:nvGrpSpPr>
+      <p:grpSpPr>
+        <a:xfrm>
+          <a:off x="0" y="0"/>
+          <a:ext cx="0" cy="0"/>
+          <a:chOff x="0" y="0"/>
+          <a:chExt cx="0" cy="0"/>
+        </a:xfrm>
+      </p:grpSpPr>
+      <p:sp>
+        <p:nvSpPr>
+          <p:cNvPr id="3" name="Título 2">
+            <a:extLst>
+              <a:ext uri="{FF2B5EF4-FFF2-40B4-BE49-F238E27FC236}">
+                <a16:creationId xmlns:a16="http://schemas.microsoft.com/office/drawing/2014/main" id="{272E32D2-E13F-4898-B5FE-3DE54182B4B5}"/>
+              </a:ext>
+            </a:extLst>
+          </p:cNvPr>
+          <p:cNvSpPr>
+            <a:spLocks noGrp="1"/>
+          </p:cNvSpPr>
+          <p:nvPr>
+            <p:ph type="title"/>
+          </p:nvPr>
+        </p:nvSpPr>
+        <p:spPr/>
+        <p:txBody>
+          <a:bodyPr/>
+          <a:lstStyle/>
+          <a:p>
+            <a:r>
+              <a:rPr lang="pt-BR" dirty="0"/>
+              <a:t>Solução do Exercício 1</a:t>
+            </a:r>
+          </a:p>
+        </p:txBody>
+      </p:sp>
+    </p:spTree>
+    <p:extLst>
+      <p:ext uri="{BB962C8B-B14F-4D97-AF65-F5344CB8AC3E}">
+        <p14:creationId xmlns:p14="http://schemas.microsoft.com/office/powerpoint/2010/main" val="2284558776"/>
+      </p:ext>
+    </p:extLst>
+  </p:cSld>
+  <p:clrMapOvr>
+    <a:masterClrMapping/>
+  </p:clrMapOvr>
+</p:sld>
+</file>
+
+<file path=ppt/slides/slide16.xml><?xml version="1.0" encoding="utf-8"?>
+<p:sld xmlns:a="http://schemas.openxmlformats.org/drawingml/2006/main" xmlns:r="http://schemas.openxmlformats.org/officeDocument/2006/relationships" xmlns:p="http://schemas.openxmlformats.org/presentationml/2006/main">
+  <p:cSld>
+    <p:spTree>
+      <p:nvGrpSpPr>
+        <p:cNvPr id="1" name=""/>
+        <p:cNvGrpSpPr/>
+        <p:nvPr/>
+      </p:nvGrpSpPr>
+      <p:grpSpPr>
+        <a:xfrm>
+          <a:off x="0" y="0"/>
+          <a:ext cx="0" cy="0"/>
+          <a:chOff x="0" y="0"/>
+          <a:chExt cx="0" cy="0"/>
+        </a:xfrm>
+      </p:grpSpPr>
+      <p:sp>
+        <p:nvSpPr>
+          <p:cNvPr id="3" name="Título 2">
+            <a:extLst>
+              <a:ext uri="{FF2B5EF4-FFF2-40B4-BE49-F238E27FC236}">
+                <a16:creationId xmlns:a16="http://schemas.microsoft.com/office/drawing/2014/main" id="{272E32D2-E13F-4898-B5FE-3DE54182B4B5}"/>
+              </a:ext>
+            </a:extLst>
+          </p:cNvPr>
+          <p:cNvSpPr>
+            <a:spLocks noGrp="1"/>
+          </p:cNvSpPr>
+          <p:nvPr>
+            <p:ph type="title"/>
+          </p:nvPr>
+        </p:nvSpPr>
+        <p:spPr/>
+        <p:txBody>
+          <a:bodyPr/>
+          <a:lstStyle/>
+          <a:p>
+            <a:r>
+              <a:rPr lang="pt-BR" dirty="0"/>
+              <a:t>Solução do Exercício 1</a:t>
+            </a:r>
+          </a:p>
+        </p:txBody>
+      </p:sp>
+    </p:spTree>
+    <p:extLst>
+      <p:ext uri="{BB962C8B-B14F-4D97-AF65-F5344CB8AC3E}">
+        <p14:creationId xmlns:p14="http://schemas.microsoft.com/office/powerpoint/2010/main" val="3811654718"/>
+      </p:ext>
+    </p:extLst>
+  </p:cSld>
+  <p:clrMapOvr>
+    <a:masterClrMapping/>
+  </p:clrMapOvr>
+</p:sld>
+</file>
+
+<file path=ppt/slides/slide17.xml><?xml version="1.0" encoding="utf-8"?>
+<p:sld xmlns:a="http://schemas.openxmlformats.org/drawingml/2006/main" xmlns:r="http://schemas.openxmlformats.org/officeDocument/2006/relationships" xmlns:p="http://schemas.openxmlformats.org/presentationml/2006/main">
+  <p:cSld>
+    <p:spTree>
+      <p:nvGrpSpPr>
+        <p:cNvPr id="1" name=""/>
+        <p:cNvGrpSpPr/>
+        <p:nvPr/>
+      </p:nvGrpSpPr>
+      <p:grpSpPr>
+        <a:xfrm>
+          <a:off x="0" y="0"/>
+          <a:ext cx="0" cy="0"/>
+          <a:chOff x="0" y="0"/>
+          <a:chExt cx="0" cy="0"/>
+        </a:xfrm>
+      </p:grpSpPr>
+      <p:sp>
+        <p:nvSpPr>
+          <p:cNvPr id="3" name="Título 2">
+            <a:extLst>
+              <a:ext uri="{FF2B5EF4-FFF2-40B4-BE49-F238E27FC236}">
+                <a16:creationId xmlns:a16="http://schemas.microsoft.com/office/drawing/2014/main" id="{272E32D2-E13F-4898-B5FE-3DE54182B4B5}"/>
+              </a:ext>
+            </a:extLst>
+          </p:cNvPr>
+          <p:cNvSpPr>
+            <a:spLocks noGrp="1"/>
+          </p:cNvSpPr>
+          <p:nvPr>
+            <p:ph type="title"/>
+          </p:nvPr>
+        </p:nvSpPr>
+        <p:spPr/>
+        <p:txBody>
+          <a:bodyPr/>
+          <a:lstStyle/>
+          <a:p>
+            <a:r>
+              <a:rPr lang="pt-BR" dirty="0"/>
+              <a:t>Solução do Exercício 1</a:t>
+            </a:r>
+          </a:p>
+        </p:txBody>
+      </p:sp>
+    </p:spTree>
+    <p:extLst>
+      <p:ext uri="{BB962C8B-B14F-4D97-AF65-F5344CB8AC3E}">
+        <p14:creationId xmlns:p14="http://schemas.microsoft.com/office/powerpoint/2010/main" val="2925860899"/>
       </p:ext>
     </p:extLst>
   </p:cSld>
@@ -7389,10 +8024,8 @@
   <a:objectDefaults>
     <a:spDef>
       <a:spPr bwMode="auto">
-        <a:solidFill>
-          <a:srgbClr val="FFFF00"/>
-        </a:solidFill>
-        <a:ln w="38100">
+        <a:noFill/>
+        <a:ln w="28575">
           <a:solidFill>
             <a:srgbClr val="FF0000"/>
           </a:solidFill>
@@ -7435,7 +8068,7 @@
         <a:solidFill>
           <a:schemeClr val="accent1"/>
         </a:solidFill>
-        <a:ln w="38100" cap="flat" cmpd="sng" algn="ctr">
+        <a:ln w="28575" cap="flat" cmpd="sng" algn="ctr">
           <a:solidFill>
             <a:srgbClr val="FF0000"/>
           </a:solidFill>

--- a/Aula 06 - Estudo de Estados no React - Parte 3 - Exercícios.pptx
+++ b/Aula 06 - Estudo de Estados no React - Parte 3 - Exercícios.pptx
@@ -5,10 +5,10 @@
     <p:sldMasterId id="2147483670" r:id="rId1"/>
   </p:sldMasterIdLst>
   <p:notesMasterIdLst>
-    <p:notesMasterId r:id="rId19"/>
+    <p:notesMasterId r:id="rId15"/>
   </p:notesMasterIdLst>
   <p:handoutMasterIdLst>
-    <p:handoutMasterId r:id="rId20"/>
+    <p:handoutMasterId r:id="rId16"/>
   </p:handoutMasterIdLst>
   <p:sldIdLst>
     <p:sldId id="374" r:id="rId2"/>
@@ -24,10 +24,6 @@
     <p:sldId id="414" r:id="rId12"/>
     <p:sldId id="416" r:id="rId13"/>
     <p:sldId id="417" r:id="rId14"/>
-    <p:sldId id="418" r:id="rId15"/>
-    <p:sldId id="419" r:id="rId16"/>
-    <p:sldId id="420" r:id="rId17"/>
-    <p:sldId id="421" r:id="rId18"/>
   </p:sldIdLst>
   <p:sldSz cx="12192000" cy="6858000"/>
   <p:notesSz cx="6858000" cy="9144000"/>
@@ -227,7 +223,7 @@
           <a:p>
             <a:fld id="{04173D99-D067-41B2-AE6C-277A67A29C02}" type="datetimeFigureOut">
               <a:rPr lang="pt-BR" smtClean="0"/>
-              <a:t>07/10/2025</a:t>
+              <a:t>14/10/2025</a:t>
             </a:fld>
             <a:endParaRPr lang="pt-BR"/>
           </a:p>
@@ -393,7 +389,7 @@
           <a:p>
             <a:fld id="{9E9AB6CA-B409-437D-9273-FF0DF7C26A26}" type="datetimeFigureOut">
               <a:rPr lang="pt-BR" smtClean="0"/>
-              <a:t>07/10/2025</a:t>
+              <a:t>14/10/2025</a:t>
             </a:fld>
             <a:endParaRPr lang="pt-BR"/>
           </a:p>
@@ -4603,7 +4599,7 @@
           <p:cNvPr id="2" name="Subtítulo 1">
             <a:extLst>
               <a:ext uri="{FF2B5EF4-FFF2-40B4-BE49-F238E27FC236}">
-                <a16:creationId xmlns:a16="http://schemas.microsoft.com/office/drawing/2014/main" id="{F0C7F766-1BE9-4DB6-8F9C-F7B5E3C18C24}"/>
+                <a16:creationId xmlns:a16="http://schemas.microsoft.com/office/drawing/2014/main" id="{4D6BFB4C-E138-4FB7-AA38-64D77054CACC}"/>
               </a:ext>
             </a:extLst>
           </p:cNvPr>
@@ -4628,7 +4624,7 @@
           <p:cNvPr id="3" name="Título 2">
             <a:extLst>
               <a:ext uri="{FF2B5EF4-FFF2-40B4-BE49-F238E27FC236}">
-                <a16:creationId xmlns:a16="http://schemas.microsoft.com/office/drawing/2014/main" id="{272E32D2-E13F-4898-B5FE-3DE54182B4B5}"/>
+                <a16:creationId xmlns:a16="http://schemas.microsoft.com/office/drawing/2014/main" id="{0D5B525B-A814-42F9-A0E3-50641F60C842}"/>
               </a:ext>
             </a:extLst>
           </p:cNvPr>
@@ -4646,7 +4642,7 @@
           <a:p>
             <a:r>
               <a:rPr lang="pt-BR" dirty="0"/>
-              <a:t>Solução do Exercício 1</a:t>
+              <a:t>Estruturas de Decisão</a:t>
             </a:r>
           </a:p>
         </p:txBody>
@@ -4654,7 +4650,7 @@
     </p:spTree>
     <p:extLst>
       <p:ext uri="{BB962C8B-B14F-4D97-AF65-F5344CB8AC3E}">
-        <p14:creationId xmlns:p14="http://schemas.microsoft.com/office/powerpoint/2010/main" val="1578470390"/>
+        <p14:creationId xmlns:p14="http://schemas.microsoft.com/office/powerpoint/2010/main" val="1123751477"/>
       </p:ext>
     </p:extLst>
   </p:cSld>
@@ -4683,10 +4679,109 @@
       </p:grpSpPr>
       <p:sp>
         <p:nvSpPr>
+          <p:cNvPr id="2" name="Espaço Reservado para Conteúdo 1">
+            <a:extLst>
+              <a:ext uri="{FF2B5EF4-FFF2-40B4-BE49-F238E27FC236}">
+                <a16:creationId xmlns:a16="http://schemas.microsoft.com/office/drawing/2014/main" id="{28CF59E2-1CF3-4914-83E0-CFFAE5B9F470}"/>
+              </a:ext>
+            </a:extLst>
+          </p:cNvPr>
+          <p:cNvSpPr>
+            <a:spLocks noGrp="1"/>
+          </p:cNvSpPr>
+          <p:nvPr>
+            <p:ph idx="10"/>
+          </p:nvPr>
+        </p:nvSpPr>
+        <p:spPr>
+          <a:xfrm>
+            <a:off x="136526" y="1652613"/>
+            <a:ext cx="11960224" cy="2402920"/>
+          </a:xfrm>
+        </p:spPr>
+        <p:txBody>
+          <a:bodyPr/>
+          <a:lstStyle/>
+          <a:p>
+            <a:r>
+              <a:rPr lang="pt-BR" sz="2800" dirty="0"/>
+              <a:t>Faça uma página HTML com JS para </a:t>
+            </a:r>
+            <a:r>
+              <a:rPr lang="pt-BR" sz="2800" dirty="0">
+                <a:highlight>
+                  <a:srgbClr val="FFFF00"/>
+                </a:highlight>
+              </a:rPr>
+              <a:t>calcular a média de notas de um aluno</a:t>
+            </a:r>
+            <a:r>
+              <a:rPr lang="pt-BR" sz="2800" dirty="0"/>
+              <a:t>. Deverá ser solicitado ao usuário a seguinte entrada de dados através de uma caixa de texto (</a:t>
+            </a:r>
+            <a:r>
+              <a:rPr lang="pt-BR" sz="2800" i="1" dirty="0">
+                <a:latin typeface="Times New Roman" panose="02020603050405020304" pitchFamily="18" charset="0"/>
+                <a:cs typeface="Times New Roman" panose="02020603050405020304" pitchFamily="18" charset="0"/>
+              </a:rPr>
+              <a:t>input </a:t>
+            </a:r>
+            <a:r>
+              <a:rPr lang="pt-BR" sz="2800" i="1" dirty="0" err="1">
+                <a:latin typeface="Times New Roman" panose="02020603050405020304" pitchFamily="18" charset="0"/>
+                <a:cs typeface="Times New Roman" panose="02020603050405020304" pitchFamily="18" charset="0"/>
+              </a:rPr>
+              <a:t>type</a:t>
+            </a:r>
+            <a:r>
+              <a:rPr lang="pt-BR" sz="2800" i="1" dirty="0">
+                <a:latin typeface="Times New Roman" panose="02020603050405020304" pitchFamily="18" charset="0"/>
+                <a:cs typeface="Times New Roman" panose="02020603050405020304" pitchFamily="18" charset="0"/>
+              </a:rPr>
+              <a:t>=</a:t>
+            </a:r>
+            <a:r>
+              <a:rPr lang="pt-BR" sz="2800" i="1" dirty="0" err="1">
+                <a:latin typeface="Times New Roman" panose="02020603050405020304" pitchFamily="18" charset="0"/>
+                <a:cs typeface="Times New Roman" panose="02020603050405020304" pitchFamily="18" charset="0"/>
+              </a:rPr>
+              <a:t>text</a:t>
+            </a:r>
+            <a:r>
+              <a:rPr lang="pt-BR" sz="2800" dirty="0"/>
+              <a:t>): </a:t>
+            </a:r>
+          </a:p>
+          <a:p>
+            <a:pPr lvl="1"/>
+            <a:r>
+              <a:rPr lang="pt-BR" sz="2400" dirty="0">
+                <a:solidFill>
+                  <a:srgbClr val="FF0000"/>
+                </a:solidFill>
+              </a:rPr>
+              <a:t>Nota 1</a:t>
+            </a:r>
+          </a:p>
+          <a:p>
+            <a:pPr lvl="1"/>
+            <a:r>
+              <a:rPr lang="pt-BR" sz="2400" dirty="0">
+                <a:solidFill>
+                  <a:srgbClr val="FF0000"/>
+                </a:solidFill>
+              </a:rPr>
+              <a:t>Nota 2</a:t>
+            </a:r>
+          </a:p>
+        </p:txBody>
+      </p:sp>
+      <p:sp>
+        <p:nvSpPr>
           <p:cNvPr id="3" name="Título 2">
             <a:extLst>
               <a:ext uri="{FF2B5EF4-FFF2-40B4-BE49-F238E27FC236}">
-                <a16:creationId xmlns:a16="http://schemas.microsoft.com/office/drawing/2014/main" id="{272E32D2-E13F-4898-B5FE-3DE54182B4B5}"/>
+                <a16:creationId xmlns:a16="http://schemas.microsoft.com/office/drawing/2014/main" id="{03148F83-0780-4D1E-89A9-4A3BB343FC36}"/>
               </a:ext>
             </a:extLst>
           </p:cNvPr>
@@ -4702,50 +4797,162 @@
           <a:bodyPr/>
           <a:lstStyle/>
           <a:p>
-            <a:pPr algn="r"/>
             <a:r>
               <a:rPr lang="pt-BR" dirty="0"/>
-              <a:t>Solução do Exercício 1</a:t>
+              <a:t>Exercício 11</a:t>
             </a:r>
           </a:p>
         </p:txBody>
       </p:sp>
+      <mc:AlternateContent xmlns:mc="http://schemas.openxmlformats.org/markup-compatibility/2006">
+        <mc:Choice xmlns:a14="http://schemas.microsoft.com/office/drawing/2010/main" Requires="a14">
+          <p:sp>
+            <p:nvSpPr>
+              <p:cNvPr id="5" name="Espaço Reservado para Conteúdo 4">
+                <a:extLst>
+                  <a:ext uri="{FF2B5EF4-FFF2-40B4-BE49-F238E27FC236}">
+                    <a16:creationId xmlns:a16="http://schemas.microsoft.com/office/drawing/2014/main" id="{F3D65AC6-EC50-422E-B9B9-3B8029A27CB5}"/>
+                  </a:ext>
+                </a:extLst>
+              </p:cNvPr>
+              <p:cNvSpPr>
+                <a:spLocks noGrp="1"/>
+              </p:cNvSpPr>
+              <p:nvPr>
+                <p:ph idx="11"/>
+              </p:nvPr>
+            </p:nvSpPr>
+            <p:spPr>
+              <a:xfrm>
+                <a:off x="136526" y="4055533"/>
+                <a:ext cx="6492874" cy="2516716"/>
+              </a:xfrm>
+            </p:spPr>
+            <p:txBody>
+              <a:bodyPr/>
+              <a:lstStyle/>
+              <a:p>
+                <a:pPr algn="just"/>
+                <a:r>
+                  <a:rPr lang="pt-BR" sz="2800" dirty="0"/>
+                  <a:t>A pagina deverá a média aritmética e uma mensagem de:</a:t>
+                </a:r>
+              </a:p>
+              <a:p>
+                <a:pPr lvl="1"/>
+                <a14:m>
+                  <m:oMath xmlns:m="http://schemas.openxmlformats.org/officeDocument/2006/math">
+                    <m:r>
+                      <a:rPr lang="pt-BR" sz="2400" b="0" i="1" smtClean="0">
+                        <a:solidFill>
+                          <a:srgbClr val="FF0000"/>
+                        </a:solidFill>
+                        <a:latin typeface="Cambria Math" panose="02040503050406030204" pitchFamily="18" charset="0"/>
+                      </a:rPr>
+                      <m:t>𝑎𝑝𝑟𝑜𝑣𝑎𝑑𝑜</m:t>
+                    </m:r>
+                    <m:r>
+                      <a:rPr lang="pt-BR" sz="2400" b="0" i="1" smtClean="0">
+                        <a:solidFill>
+                          <a:srgbClr val="FF0000"/>
+                        </a:solidFill>
+                        <a:latin typeface="Cambria Math" panose="02040503050406030204" pitchFamily="18" charset="0"/>
+                      </a:rPr>
+                      <m:t> </m:t>
+                    </m:r>
+                  </m:oMath>
+                </a14:m>
+                <a:endParaRPr lang="pt-BR" sz="2400" b="0" i="1" dirty="0">
+                  <a:solidFill>
+                    <a:srgbClr val="FF0000"/>
+                  </a:solidFill>
+                  <a:latin typeface="Cambria Math" panose="02040503050406030204" pitchFamily="18" charset="0"/>
+                </a:endParaRPr>
+              </a:p>
+              <a:p>
+                <a:pPr lvl="1"/>
+                <a14:m>
+                  <m:oMath xmlns:m="http://schemas.openxmlformats.org/officeDocument/2006/math">
+                    <m:r>
+                      <a:rPr lang="pt-BR" sz="2400" b="0" i="1" smtClean="0">
+                        <a:solidFill>
+                          <a:srgbClr val="FF0000"/>
+                        </a:solidFill>
+                        <a:latin typeface="Cambria Math" panose="02040503050406030204" pitchFamily="18" charset="0"/>
+                      </a:rPr>
+                      <m:t>𝑟𝑒𝑝𝑟𝑜𝑣𝑎𝑑𝑜</m:t>
+                    </m:r>
+                  </m:oMath>
+                </a14:m>
+                <a:endParaRPr lang="pt-BR" sz="2400" dirty="0">
+                  <a:solidFill>
+                    <a:srgbClr val="FF0000"/>
+                  </a:solidFill>
+                </a:endParaRPr>
+              </a:p>
+              <a:p>
+                <a:r>
+                  <a:rPr lang="pt-BR" sz="2800" dirty="0"/>
+                  <a:t>A media de aprovação é 6.0</a:t>
+                </a:r>
+              </a:p>
+              <a:p>
+                <a:pPr lvl="1"/>
+                <a:endParaRPr lang="pt-BR" dirty="0"/>
+              </a:p>
+            </p:txBody>
+          </p:sp>
+        </mc:Choice>
+        <mc:Fallback>
+          <p:sp>
+            <p:nvSpPr>
+              <p:cNvPr id="5" name="Espaço Reservado para Conteúdo 4">
+                <a:extLst>
+                  <a:ext uri="{FF2B5EF4-FFF2-40B4-BE49-F238E27FC236}">
+                    <a16:creationId xmlns:a16="http://schemas.microsoft.com/office/drawing/2014/main" id="{F3D65AC6-EC50-422E-B9B9-3B8029A27CB5}"/>
+                  </a:ext>
+                </a:extLst>
+              </p:cNvPr>
+              <p:cNvSpPr>
+                <a:spLocks noGrp="1" noRot="1" noChangeAspect="1" noMove="1" noResize="1" noEditPoints="1" noAdjustHandles="1" noChangeArrowheads="1" noChangeShapeType="1" noTextEdit="1"/>
+              </p:cNvSpPr>
+              <p:nvPr>
+                <p:ph idx="11"/>
+              </p:nvPr>
+            </p:nvSpPr>
+            <p:spPr>
+              <a:xfrm>
+                <a:off x="136526" y="4055533"/>
+                <a:ext cx="6492874" cy="2516716"/>
+              </a:xfrm>
+              <a:blipFill>
+                <a:blip r:embed="rId2"/>
+                <a:stretch>
+                  <a:fillRect l="-750" t="-726" r="-1876" b="-1453"/>
+                </a:stretch>
+              </a:blipFill>
+            </p:spPr>
+            <p:txBody>
+              <a:bodyPr/>
+              <a:lstStyle/>
+              <a:p>
+                <a:r>
+                  <a:rPr lang="pt-BR">
+                    <a:noFill/>
+                  </a:rPr>
+                  <a:t> </a:t>
+                </a:r>
+              </a:p>
+            </p:txBody>
+          </p:sp>
+        </mc:Fallback>
+      </mc:AlternateContent>
       <p:pic>
         <p:nvPicPr>
-          <p:cNvPr id="4" name="Imagem 3">
+          <p:cNvPr id="6" name="Imagem 5">
             <a:extLst>
               <a:ext uri="{FF2B5EF4-FFF2-40B4-BE49-F238E27FC236}">
-                <a16:creationId xmlns:a16="http://schemas.microsoft.com/office/drawing/2014/main" id="{47BA666E-D15D-4B6E-B177-8910E92846FB}"/>
-              </a:ext>
-            </a:extLst>
-          </p:cNvPr>
-          <p:cNvPicPr>
-            <a:picLocks noChangeAspect="1"/>
-          </p:cNvPicPr>
-          <p:nvPr/>
-        </p:nvPicPr>
-        <p:blipFill>
-          <a:blip r:embed="rId2"/>
-          <a:stretch>
-            <a:fillRect/>
-          </a:stretch>
-        </p:blipFill>
-        <p:spPr>
-          <a:xfrm>
-            <a:off x="246569" y="584200"/>
-            <a:ext cx="5812872" cy="5992231"/>
-          </a:xfrm>
-          <a:prstGeom prst="rect">
-            <a:avLst/>
-          </a:prstGeom>
-        </p:spPr>
-      </p:pic>
-      <p:pic>
-        <p:nvPicPr>
-          <p:cNvPr id="5" name="Imagem 4">
-            <a:extLst>
-              <a:ext uri="{FF2B5EF4-FFF2-40B4-BE49-F238E27FC236}">
-                <a16:creationId xmlns:a16="http://schemas.microsoft.com/office/drawing/2014/main" id="{5B399422-94B8-4BDF-A5BD-89CB9D0CD0BB}"/>
+                <a16:creationId xmlns:a16="http://schemas.microsoft.com/office/drawing/2014/main" id="{91C16478-1173-4D8C-AF73-E994A95E435A}"/>
               </a:ext>
             </a:extLst>
           </p:cNvPr>
@@ -4762,445 +4969,18 @@
         </p:blipFill>
         <p:spPr>
           <a:xfrm>
-            <a:off x="6051043" y="2346193"/>
-            <a:ext cx="5894388" cy="3512817"/>
+            <a:off x="8444832" y="2650067"/>
+            <a:ext cx="3489317" cy="3922182"/>
           </a:xfrm>
           <a:prstGeom prst="rect">
             <a:avLst/>
           </a:prstGeom>
         </p:spPr>
       </p:pic>
-      <p:sp>
-        <p:nvSpPr>
-          <p:cNvPr id="6" name="Elipse 5">
-            <a:extLst>
-              <a:ext uri="{FF2B5EF4-FFF2-40B4-BE49-F238E27FC236}">
-                <a16:creationId xmlns:a16="http://schemas.microsoft.com/office/drawing/2014/main" id="{2F12B4DC-98AB-4406-BE11-8334FFDFAB1F}"/>
-              </a:ext>
-            </a:extLst>
-          </p:cNvPr>
-          <p:cNvSpPr/>
-          <p:nvPr/>
-        </p:nvSpPr>
-        <p:spPr bwMode="auto">
-          <a:xfrm>
-            <a:off x="2125133" y="2853267"/>
-            <a:ext cx="1896533" cy="465666"/>
-          </a:xfrm>
-          <a:prstGeom prst="ellipse">
-            <a:avLst/>
-          </a:prstGeom>
-          <a:noFill/>
-          <a:ln w="28575">
-            <a:solidFill>
-              <a:srgbClr val="FF0000"/>
-            </a:solidFill>
-            <a:headEnd type="none" w="med" len="med"/>
-            <a:tailEnd type="triangle" w="med" len="med"/>
-          </a:ln>
-        </p:spPr>
-        <p:style>
-          <a:lnRef idx="1">
-            <a:schemeClr val="accent3"/>
-          </a:lnRef>
-          <a:fillRef idx="2">
-            <a:schemeClr val="accent3"/>
-          </a:fillRef>
-          <a:effectRef idx="1">
-            <a:schemeClr val="accent3"/>
-          </a:effectRef>
-          <a:fontRef idx="minor">
-            <a:schemeClr val="dk1"/>
-          </a:fontRef>
-        </p:style>
-        <p:txBody>
-          <a:bodyPr vert="horz" wrap="square" lIns="90000" tIns="46800" rIns="90000" bIns="46800" numCol="1" rtlCol="0" anchor="ctr" anchorCtr="0" compatLnSpc="1">
-            <a:prstTxWarp prst="textNoShape">
-              <a:avLst/>
-            </a:prstTxWarp>
-          </a:bodyPr>
-          <a:lstStyle/>
-          <a:p>
-            <a:pPr algn="ctr"/>
-            <a:endParaRPr lang="pt-BR" dirty="0">
-              <a:solidFill>
-                <a:schemeClr val="tx1"/>
-              </a:solidFill>
-              <a:latin typeface="Arial" charset="0"/>
-            </a:endParaRPr>
-          </a:p>
-        </p:txBody>
-      </p:sp>
-      <p:cxnSp>
-        <p:nvCxnSpPr>
-          <p:cNvPr id="8" name="Conector de Seta Reta 7">
-            <a:extLst>
-              <a:ext uri="{FF2B5EF4-FFF2-40B4-BE49-F238E27FC236}">
-                <a16:creationId xmlns:a16="http://schemas.microsoft.com/office/drawing/2014/main" id="{C3AAC9F7-9060-4259-A74E-BEBAFFE55E84}"/>
-              </a:ext>
-            </a:extLst>
-          </p:cNvPr>
-          <p:cNvCxnSpPr>
-            <a:stCxn id="6" idx="6"/>
-          </p:cNvCxnSpPr>
-          <p:nvPr/>
-        </p:nvCxnSpPr>
-        <p:spPr bwMode="auto">
-          <a:xfrm>
-            <a:off x="4021666" y="3086100"/>
-            <a:ext cx="2607734" cy="884767"/>
-          </a:xfrm>
-          <a:prstGeom prst="straightConnector1">
-            <a:avLst/>
-          </a:prstGeom>
-          <a:solidFill>
-            <a:schemeClr val="accent1"/>
-          </a:solidFill>
-          <a:ln w="28575" cap="flat" cmpd="sng" algn="ctr">
-            <a:solidFill>
-              <a:srgbClr val="FF0000"/>
-            </a:solidFill>
-            <a:prstDash val="solid"/>
-            <a:round/>
-            <a:headEnd type="none" w="med" len="med"/>
-            <a:tailEnd type="triangle"/>
-          </a:ln>
-          <a:effectLst/>
-        </p:spPr>
-      </p:cxnSp>
-      <p:sp>
-        <p:nvSpPr>
-          <p:cNvPr id="9" name="Retângulo 8">
-            <a:extLst>
-              <a:ext uri="{FF2B5EF4-FFF2-40B4-BE49-F238E27FC236}">
-                <a16:creationId xmlns:a16="http://schemas.microsoft.com/office/drawing/2014/main" id="{53EEC58D-2142-40E4-A57C-F79EDC5F9876}"/>
-              </a:ext>
-            </a:extLst>
-          </p:cNvPr>
-          <p:cNvSpPr/>
-          <p:nvPr/>
-        </p:nvSpPr>
-        <p:spPr bwMode="auto">
-          <a:xfrm>
-            <a:off x="2286000" y="3539068"/>
-            <a:ext cx="3302000" cy="465666"/>
-          </a:xfrm>
-          <a:prstGeom prst="rect">
-            <a:avLst/>
-          </a:prstGeom>
-          <a:noFill/>
-          <a:ln w="28575">
-            <a:solidFill>
-              <a:srgbClr val="FF0000"/>
-            </a:solidFill>
-            <a:headEnd type="none" w="med" len="med"/>
-            <a:tailEnd type="triangle" w="med" len="med"/>
-          </a:ln>
-        </p:spPr>
-        <p:style>
-          <a:lnRef idx="1">
-            <a:schemeClr val="accent3"/>
-          </a:lnRef>
-          <a:fillRef idx="2">
-            <a:schemeClr val="accent3"/>
-          </a:fillRef>
-          <a:effectRef idx="1">
-            <a:schemeClr val="accent3"/>
-          </a:effectRef>
-          <a:fontRef idx="minor">
-            <a:schemeClr val="dk1"/>
-          </a:fontRef>
-        </p:style>
-        <p:txBody>
-          <a:bodyPr rot="0" spcFirstLastPara="0" vertOverflow="overflow" horzOverflow="overflow" vert="horz" wrap="square" lIns="90000" tIns="46800" rIns="90000" bIns="46800" numCol="1" spcCol="0" rtlCol="0" fromWordArt="0" anchor="ctr" anchorCtr="0" forceAA="0" compatLnSpc="1">
-            <a:prstTxWarp prst="textNoShape">
-              <a:avLst/>
-            </a:prstTxWarp>
-            <a:noAutofit/>
-          </a:bodyPr>
-          <a:lstStyle/>
-          <a:p>
-            <a:pPr algn="ctr"/>
-            <a:endParaRPr lang="pt-BR" dirty="0">
-              <a:solidFill>
-                <a:schemeClr val="tx1"/>
-              </a:solidFill>
-              <a:latin typeface="Arial" charset="0"/>
-            </a:endParaRPr>
-          </a:p>
-        </p:txBody>
-      </p:sp>
-      <p:cxnSp>
-        <p:nvCxnSpPr>
-          <p:cNvPr id="11" name="Conector de Seta Reta 10">
-            <a:extLst>
-              <a:ext uri="{FF2B5EF4-FFF2-40B4-BE49-F238E27FC236}">
-                <a16:creationId xmlns:a16="http://schemas.microsoft.com/office/drawing/2014/main" id="{A5E391F3-0ED0-4D16-9855-DC43D3A48C1F}"/>
-              </a:ext>
-            </a:extLst>
-          </p:cNvPr>
-          <p:cNvCxnSpPr/>
-          <p:nvPr/>
-        </p:nvCxnSpPr>
-        <p:spPr bwMode="auto">
-          <a:xfrm>
-            <a:off x="5588000" y="3835400"/>
-            <a:ext cx="1117600" cy="622302"/>
-          </a:xfrm>
-          <a:prstGeom prst="straightConnector1">
-            <a:avLst/>
-          </a:prstGeom>
-          <a:solidFill>
-            <a:schemeClr val="accent1"/>
-          </a:solidFill>
-          <a:ln w="28575" cap="flat" cmpd="sng" algn="ctr">
-            <a:solidFill>
-              <a:srgbClr val="FF0000"/>
-            </a:solidFill>
-            <a:prstDash val="solid"/>
-            <a:round/>
-            <a:headEnd type="none" w="med" len="med"/>
-            <a:tailEnd type="triangle"/>
-          </a:ln>
-          <a:effectLst/>
-        </p:spPr>
-      </p:cxnSp>
     </p:spTree>
     <p:extLst>
       <p:ext uri="{BB962C8B-B14F-4D97-AF65-F5344CB8AC3E}">
-        <p14:creationId xmlns:p14="http://schemas.microsoft.com/office/powerpoint/2010/main" val="446513016"/>
-      </p:ext>
-    </p:extLst>
-  </p:cSld>
-  <p:clrMapOvr>
-    <a:masterClrMapping/>
-  </p:clrMapOvr>
-</p:sld>
-</file>
-
-<file path=ppt/slides/slide14.xml><?xml version="1.0" encoding="utf-8"?>
-<p:sld xmlns:a="http://schemas.openxmlformats.org/drawingml/2006/main" xmlns:r="http://schemas.openxmlformats.org/officeDocument/2006/relationships" xmlns:p="http://schemas.openxmlformats.org/presentationml/2006/main">
-  <p:cSld>
-    <p:spTree>
-      <p:nvGrpSpPr>
-        <p:cNvPr id="1" name=""/>
-        <p:cNvGrpSpPr/>
-        <p:nvPr/>
-      </p:nvGrpSpPr>
-      <p:grpSpPr>
-        <a:xfrm>
-          <a:off x="0" y="0"/>
-          <a:ext cx="0" cy="0"/>
-          <a:chOff x="0" y="0"/>
-          <a:chExt cx="0" cy="0"/>
-        </a:xfrm>
-      </p:grpSpPr>
-      <p:sp>
-        <p:nvSpPr>
-          <p:cNvPr id="3" name="Título 2">
-            <a:extLst>
-              <a:ext uri="{FF2B5EF4-FFF2-40B4-BE49-F238E27FC236}">
-                <a16:creationId xmlns:a16="http://schemas.microsoft.com/office/drawing/2014/main" id="{272E32D2-E13F-4898-B5FE-3DE54182B4B5}"/>
-              </a:ext>
-            </a:extLst>
-          </p:cNvPr>
-          <p:cNvSpPr>
-            <a:spLocks noGrp="1"/>
-          </p:cNvSpPr>
-          <p:nvPr>
-            <p:ph type="title"/>
-          </p:nvPr>
-        </p:nvSpPr>
-        <p:spPr/>
-        <p:txBody>
-          <a:bodyPr/>
-          <a:lstStyle/>
-          <a:p>
-            <a:r>
-              <a:rPr lang="pt-BR" dirty="0"/>
-              <a:t>Solução do Exercício 1</a:t>
-            </a:r>
-          </a:p>
-        </p:txBody>
-      </p:sp>
-    </p:spTree>
-    <p:extLst>
-      <p:ext uri="{BB962C8B-B14F-4D97-AF65-F5344CB8AC3E}">
-        <p14:creationId xmlns:p14="http://schemas.microsoft.com/office/powerpoint/2010/main" val="3430196504"/>
-      </p:ext>
-    </p:extLst>
-  </p:cSld>
-  <p:clrMapOvr>
-    <a:masterClrMapping/>
-  </p:clrMapOvr>
-</p:sld>
-</file>
-
-<file path=ppt/slides/slide15.xml><?xml version="1.0" encoding="utf-8"?>
-<p:sld xmlns:a="http://schemas.openxmlformats.org/drawingml/2006/main" xmlns:r="http://schemas.openxmlformats.org/officeDocument/2006/relationships" xmlns:p="http://schemas.openxmlformats.org/presentationml/2006/main">
-  <p:cSld>
-    <p:spTree>
-      <p:nvGrpSpPr>
-        <p:cNvPr id="1" name=""/>
-        <p:cNvGrpSpPr/>
-        <p:nvPr/>
-      </p:nvGrpSpPr>
-      <p:grpSpPr>
-        <a:xfrm>
-          <a:off x="0" y="0"/>
-          <a:ext cx="0" cy="0"/>
-          <a:chOff x="0" y="0"/>
-          <a:chExt cx="0" cy="0"/>
-        </a:xfrm>
-      </p:grpSpPr>
-      <p:sp>
-        <p:nvSpPr>
-          <p:cNvPr id="3" name="Título 2">
-            <a:extLst>
-              <a:ext uri="{FF2B5EF4-FFF2-40B4-BE49-F238E27FC236}">
-                <a16:creationId xmlns:a16="http://schemas.microsoft.com/office/drawing/2014/main" id="{272E32D2-E13F-4898-B5FE-3DE54182B4B5}"/>
-              </a:ext>
-            </a:extLst>
-          </p:cNvPr>
-          <p:cNvSpPr>
-            <a:spLocks noGrp="1"/>
-          </p:cNvSpPr>
-          <p:nvPr>
-            <p:ph type="title"/>
-          </p:nvPr>
-        </p:nvSpPr>
-        <p:spPr/>
-        <p:txBody>
-          <a:bodyPr/>
-          <a:lstStyle/>
-          <a:p>
-            <a:r>
-              <a:rPr lang="pt-BR" dirty="0"/>
-              <a:t>Solução do Exercício 1</a:t>
-            </a:r>
-          </a:p>
-        </p:txBody>
-      </p:sp>
-    </p:spTree>
-    <p:extLst>
-      <p:ext uri="{BB962C8B-B14F-4D97-AF65-F5344CB8AC3E}">
-        <p14:creationId xmlns:p14="http://schemas.microsoft.com/office/powerpoint/2010/main" val="2284558776"/>
-      </p:ext>
-    </p:extLst>
-  </p:cSld>
-  <p:clrMapOvr>
-    <a:masterClrMapping/>
-  </p:clrMapOvr>
-</p:sld>
-</file>
-
-<file path=ppt/slides/slide16.xml><?xml version="1.0" encoding="utf-8"?>
-<p:sld xmlns:a="http://schemas.openxmlformats.org/drawingml/2006/main" xmlns:r="http://schemas.openxmlformats.org/officeDocument/2006/relationships" xmlns:p="http://schemas.openxmlformats.org/presentationml/2006/main">
-  <p:cSld>
-    <p:spTree>
-      <p:nvGrpSpPr>
-        <p:cNvPr id="1" name=""/>
-        <p:cNvGrpSpPr/>
-        <p:nvPr/>
-      </p:nvGrpSpPr>
-      <p:grpSpPr>
-        <a:xfrm>
-          <a:off x="0" y="0"/>
-          <a:ext cx="0" cy="0"/>
-          <a:chOff x="0" y="0"/>
-          <a:chExt cx="0" cy="0"/>
-        </a:xfrm>
-      </p:grpSpPr>
-      <p:sp>
-        <p:nvSpPr>
-          <p:cNvPr id="3" name="Título 2">
-            <a:extLst>
-              <a:ext uri="{FF2B5EF4-FFF2-40B4-BE49-F238E27FC236}">
-                <a16:creationId xmlns:a16="http://schemas.microsoft.com/office/drawing/2014/main" id="{272E32D2-E13F-4898-B5FE-3DE54182B4B5}"/>
-              </a:ext>
-            </a:extLst>
-          </p:cNvPr>
-          <p:cNvSpPr>
-            <a:spLocks noGrp="1"/>
-          </p:cNvSpPr>
-          <p:nvPr>
-            <p:ph type="title"/>
-          </p:nvPr>
-        </p:nvSpPr>
-        <p:spPr/>
-        <p:txBody>
-          <a:bodyPr/>
-          <a:lstStyle/>
-          <a:p>
-            <a:r>
-              <a:rPr lang="pt-BR" dirty="0"/>
-              <a:t>Solução do Exercício 1</a:t>
-            </a:r>
-          </a:p>
-        </p:txBody>
-      </p:sp>
-    </p:spTree>
-    <p:extLst>
-      <p:ext uri="{BB962C8B-B14F-4D97-AF65-F5344CB8AC3E}">
-        <p14:creationId xmlns:p14="http://schemas.microsoft.com/office/powerpoint/2010/main" val="3811654718"/>
-      </p:ext>
-    </p:extLst>
-  </p:cSld>
-  <p:clrMapOvr>
-    <a:masterClrMapping/>
-  </p:clrMapOvr>
-</p:sld>
-</file>
-
-<file path=ppt/slides/slide17.xml><?xml version="1.0" encoding="utf-8"?>
-<p:sld xmlns:a="http://schemas.openxmlformats.org/drawingml/2006/main" xmlns:r="http://schemas.openxmlformats.org/officeDocument/2006/relationships" xmlns:p="http://schemas.openxmlformats.org/presentationml/2006/main">
-  <p:cSld>
-    <p:spTree>
-      <p:nvGrpSpPr>
-        <p:cNvPr id="1" name=""/>
-        <p:cNvGrpSpPr/>
-        <p:nvPr/>
-      </p:nvGrpSpPr>
-      <p:grpSpPr>
-        <a:xfrm>
-          <a:off x="0" y="0"/>
-          <a:ext cx="0" cy="0"/>
-          <a:chOff x="0" y="0"/>
-          <a:chExt cx="0" cy="0"/>
-        </a:xfrm>
-      </p:grpSpPr>
-      <p:sp>
-        <p:nvSpPr>
-          <p:cNvPr id="3" name="Título 2">
-            <a:extLst>
-              <a:ext uri="{FF2B5EF4-FFF2-40B4-BE49-F238E27FC236}">
-                <a16:creationId xmlns:a16="http://schemas.microsoft.com/office/drawing/2014/main" id="{272E32D2-E13F-4898-B5FE-3DE54182B4B5}"/>
-              </a:ext>
-            </a:extLst>
-          </p:cNvPr>
-          <p:cNvSpPr>
-            <a:spLocks noGrp="1"/>
-          </p:cNvSpPr>
-          <p:nvPr>
-            <p:ph type="title"/>
-          </p:nvPr>
-        </p:nvSpPr>
-        <p:spPr/>
-        <p:txBody>
-          <a:bodyPr/>
-          <a:lstStyle/>
-          <a:p>
-            <a:r>
-              <a:rPr lang="pt-BR" dirty="0"/>
-              <a:t>Solução do Exercício 1</a:t>
-            </a:r>
-          </a:p>
-        </p:txBody>
-      </p:sp>
-    </p:spTree>
-    <p:extLst>
-      <p:ext uri="{BB962C8B-B14F-4D97-AF65-F5344CB8AC3E}">
-        <p14:creationId xmlns:p14="http://schemas.microsoft.com/office/powerpoint/2010/main" val="2925860899"/>
+        <p14:creationId xmlns:p14="http://schemas.microsoft.com/office/powerpoint/2010/main" val="2797488674"/>
       </p:ext>
     </p:extLst>
   </p:cSld>
